--- a/148 - Joy to the World.pptx
+++ b/148 - Joy to the World.pptx
@@ -115,10 +115,6 @@
 </p:presentation>
 </file>
 
-<file path=ppt/revisionInfo.xml><?xml version="1.0" encoding="utf-8"?>
-<p1510:revInfo xmlns:a="http://schemas.openxmlformats.org/drawingml/2006/main" xmlns:r="http://schemas.openxmlformats.org/officeDocument/2006/relationships" xmlns:p1510="http://schemas.microsoft.com/office/powerpoint/2015/10/main"/>
-</file>
-
 <file path=ppt/slideLayouts/slideLayout1.xml><?xml version="1.0" encoding="utf-8"?>
 <p:sldLayout xmlns:a="http://schemas.openxmlformats.org/drawingml/2006/main" xmlns:r="http://schemas.openxmlformats.org/officeDocument/2006/relationships" xmlns:p="http://schemas.openxmlformats.org/presentationml/2006/main" type="title" preserve="1">
   <p:cSld name="Title Slide">
@@ -248,7 +244,7 @@
           <a:p>
             <a:fld id="{32F7251A-AE54-443C-B8FE-5F636E835EBF}" type="datetimeFigureOut">
               <a:rPr lang="en-US" smtClean="0"/>
-              <a:t>12/17/2017</a:t>
+              <a:t>12/23/2018</a:t>
             </a:fld>
             <a:endParaRPr lang="en-US"/>
           </a:p>
@@ -416,7 +412,7 @@
           <a:p>
             <a:fld id="{32F7251A-AE54-443C-B8FE-5F636E835EBF}" type="datetimeFigureOut">
               <a:rPr lang="en-US" smtClean="0"/>
-              <a:t>12/17/2017</a:t>
+              <a:t>12/23/2018</a:t>
             </a:fld>
             <a:endParaRPr lang="en-US"/>
           </a:p>
@@ -594,7 +590,7 @@
           <a:p>
             <a:fld id="{32F7251A-AE54-443C-B8FE-5F636E835EBF}" type="datetimeFigureOut">
               <a:rPr lang="en-US" smtClean="0"/>
-              <a:t>12/17/2017</a:t>
+              <a:t>12/23/2018</a:t>
             </a:fld>
             <a:endParaRPr lang="en-US"/>
           </a:p>
@@ -762,7 +758,7 @@
           <a:p>
             <a:fld id="{32F7251A-AE54-443C-B8FE-5F636E835EBF}" type="datetimeFigureOut">
               <a:rPr lang="en-US" smtClean="0"/>
-              <a:t>12/17/2017</a:t>
+              <a:t>12/23/2018</a:t>
             </a:fld>
             <a:endParaRPr lang="en-US"/>
           </a:p>
@@ -1007,7 +1003,7 @@
           <a:p>
             <a:fld id="{32F7251A-AE54-443C-B8FE-5F636E835EBF}" type="datetimeFigureOut">
               <a:rPr lang="en-US" smtClean="0"/>
-              <a:t>12/17/2017</a:t>
+              <a:t>12/23/2018</a:t>
             </a:fld>
             <a:endParaRPr lang="en-US"/>
           </a:p>
@@ -1236,7 +1232,7 @@
           <a:p>
             <a:fld id="{32F7251A-AE54-443C-B8FE-5F636E835EBF}" type="datetimeFigureOut">
               <a:rPr lang="en-US" smtClean="0"/>
-              <a:t>12/17/2017</a:t>
+              <a:t>12/23/2018</a:t>
             </a:fld>
             <a:endParaRPr lang="en-US"/>
           </a:p>
@@ -1600,7 +1596,7 @@
           <a:p>
             <a:fld id="{32F7251A-AE54-443C-B8FE-5F636E835EBF}" type="datetimeFigureOut">
               <a:rPr lang="en-US" smtClean="0"/>
-              <a:t>12/17/2017</a:t>
+              <a:t>12/23/2018</a:t>
             </a:fld>
             <a:endParaRPr lang="en-US"/>
           </a:p>
@@ -1717,7 +1713,7 @@
           <a:p>
             <a:fld id="{32F7251A-AE54-443C-B8FE-5F636E835EBF}" type="datetimeFigureOut">
               <a:rPr lang="en-US" smtClean="0"/>
-              <a:t>12/17/2017</a:t>
+              <a:t>12/23/2018</a:t>
             </a:fld>
             <a:endParaRPr lang="en-US"/>
           </a:p>
@@ -1812,7 +1808,7 @@
           <a:p>
             <a:fld id="{32F7251A-AE54-443C-B8FE-5F636E835EBF}" type="datetimeFigureOut">
               <a:rPr lang="en-US" smtClean="0"/>
-              <a:t>12/17/2017</a:t>
+              <a:t>12/23/2018</a:t>
             </a:fld>
             <a:endParaRPr lang="en-US"/>
           </a:p>
@@ -2087,7 +2083,7 @@
           <a:p>
             <a:fld id="{32F7251A-AE54-443C-B8FE-5F636E835EBF}" type="datetimeFigureOut">
               <a:rPr lang="en-US" smtClean="0"/>
-              <a:t>12/17/2017</a:t>
+              <a:t>12/23/2018</a:t>
             </a:fld>
             <a:endParaRPr lang="en-US"/>
           </a:p>
@@ -2339,7 +2335,7 @@
           <a:p>
             <a:fld id="{32F7251A-AE54-443C-B8FE-5F636E835EBF}" type="datetimeFigureOut">
               <a:rPr lang="en-US" smtClean="0"/>
-              <a:t>12/17/2017</a:t>
+              <a:t>12/23/2018</a:t>
             </a:fld>
             <a:endParaRPr lang="en-US"/>
           </a:p>
@@ -2553,7 +2549,7 @@
           <a:p>
             <a:fld id="{32F7251A-AE54-443C-B8FE-5F636E835EBF}" type="datetimeFigureOut">
               <a:rPr lang="en-US" smtClean="0"/>
-              <a:t>12/17/2017</a:t>
+              <a:t>12/23/2018</a:t>
             </a:fld>
             <a:endParaRPr lang="en-US"/>
           </a:p>

--- a/148 - Joy to the World.pptx
+++ b/148 - Joy to the World.pptx
@@ -244,7 +244,7 @@
           <a:p>
             <a:fld id="{32F7251A-AE54-443C-B8FE-5F636E835EBF}" type="datetimeFigureOut">
               <a:rPr lang="en-US" smtClean="0"/>
-              <a:t>12/23/2018</a:t>
+              <a:t>12/1/2019</a:t>
             </a:fld>
             <a:endParaRPr lang="en-US"/>
           </a:p>
@@ -412,7 +412,7 @@
           <a:p>
             <a:fld id="{32F7251A-AE54-443C-B8FE-5F636E835EBF}" type="datetimeFigureOut">
               <a:rPr lang="en-US" smtClean="0"/>
-              <a:t>12/23/2018</a:t>
+              <a:t>12/1/2019</a:t>
             </a:fld>
             <a:endParaRPr lang="en-US"/>
           </a:p>
@@ -590,7 +590,7 @@
           <a:p>
             <a:fld id="{32F7251A-AE54-443C-B8FE-5F636E835EBF}" type="datetimeFigureOut">
               <a:rPr lang="en-US" smtClean="0"/>
-              <a:t>12/23/2018</a:t>
+              <a:t>12/1/2019</a:t>
             </a:fld>
             <a:endParaRPr lang="en-US"/>
           </a:p>
@@ -758,7 +758,7 @@
           <a:p>
             <a:fld id="{32F7251A-AE54-443C-B8FE-5F636E835EBF}" type="datetimeFigureOut">
               <a:rPr lang="en-US" smtClean="0"/>
-              <a:t>12/23/2018</a:t>
+              <a:t>12/1/2019</a:t>
             </a:fld>
             <a:endParaRPr lang="en-US"/>
           </a:p>
@@ -1003,7 +1003,7 @@
           <a:p>
             <a:fld id="{32F7251A-AE54-443C-B8FE-5F636E835EBF}" type="datetimeFigureOut">
               <a:rPr lang="en-US" smtClean="0"/>
-              <a:t>12/23/2018</a:t>
+              <a:t>12/1/2019</a:t>
             </a:fld>
             <a:endParaRPr lang="en-US"/>
           </a:p>
@@ -1232,7 +1232,7 @@
           <a:p>
             <a:fld id="{32F7251A-AE54-443C-B8FE-5F636E835EBF}" type="datetimeFigureOut">
               <a:rPr lang="en-US" smtClean="0"/>
-              <a:t>12/23/2018</a:t>
+              <a:t>12/1/2019</a:t>
             </a:fld>
             <a:endParaRPr lang="en-US"/>
           </a:p>
@@ -1596,7 +1596,7 @@
           <a:p>
             <a:fld id="{32F7251A-AE54-443C-B8FE-5F636E835EBF}" type="datetimeFigureOut">
               <a:rPr lang="en-US" smtClean="0"/>
-              <a:t>12/23/2018</a:t>
+              <a:t>12/1/2019</a:t>
             </a:fld>
             <a:endParaRPr lang="en-US"/>
           </a:p>
@@ -1713,7 +1713,7 @@
           <a:p>
             <a:fld id="{32F7251A-AE54-443C-B8FE-5F636E835EBF}" type="datetimeFigureOut">
               <a:rPr lang="en-US" smtClean="0"/>
-              <a:t>12/23/2018</a:t>
+              <a:t>12/1/2019</a:t>
             </a:fld>
             <a:endParaRPr lang="en-US"/>
           </a:p>
@@ -1808,7 +1808,7 @@
           <a:p>
             <a:fld id="{32F7251A-AE54-443C-B8FE-5F636E835EBF}" type="datetimeFigureOut">
               <a:rPr lang="en-US" smtClean="0"/>
-              <a:t>12/23/2018</a:t>
+              <a:t>12/1/2019</a:t>
             </a:fld>
             <a:endParaRPr lang="en-US"/>
           </a:p>
@@ -2083,7 +2083,7 @@
           <a:p>
             <a:fld id="{32F7251A-AE54-443C-B8FE-5F636E835EBF}" type="datetimeFigureOut">
               <a:rPr lang="en-US" smtClean="0"/>
-              <a:t>12/23/2018</a:t>
+              <a:t>12/1/2019</a:t>
             </a:fld>
             <a:endParaRPr lang="en-US"/>
           </a:p>
@@ -2335,7 +2335,7 @@
           <a:p>
             <a:fld id="{32F7251A-AE54-443C-B8FE-5F636E835EBF}" type="datetimeFigureOut">
               <a:rPr lang="en-US" smtClean="0"/>
-              <a:t>12/23/2018</a:t>
+              <a:t>12/1/2019</a:t>
             </a:fld>
             <a:endParaRPr lang="en-US"/>
           </a:p>
@@ -2402,7 +2402,9 @@
     <p:bg>
       <p:bgPr>
         <a:solidFill>
-          <a:srgbClr val="333333"/>
+          <a:schemeClr val="bg1">
+            <a:lumMod val="10000"/>
+          </a:schemeClr>
         </a:solidFill>
         <a:effectLst/>
       </p:bgPr>
@@ -2549,7 +2551,7 @@
           <a:p>
             <a:fld id="{32F7251A-AE54-443C-B8FE-5F636E835EBF}" type="datetimeFigureOut">
               <a:rPr lang="en-US" smtClean="0"/>
-              <a:t>12/23/2018</a:t>
+              <a:t>12/1/2019</a:t>
             </a:fld>
             <a:endParaRPr lang="en-US"/>
           </a:p>
@@ -3019,8 +3021,8 @@
         </p:nvSpPr>
         <p:spPr>
           <a:xfrm>
-            <a:off x="0" y="5804209"/>
-            <a:ext cx="12192000" cy="830997"/>
+            <a:off x="0" y="5927320"/>
+            <a:ext cx="12192000" cy="584775"/>
           </a:xfrm>
           <a:prstGeom prst="rect">
             <a:avLst/>
@@ -3035,10 +3037,12 @@
           <a:p>
             <a:pPr algn="ctr"/>
             <a:r>
-              <a:rPr lang="en-US" sz="4800" dirty="0">
+              <a:rPr lang="en-US" sz="3200" u="sng" dirty="0">
                 <a:solidFill>
                   <a:schemeClr val="bg1"/>
                 </a:solidFill>
+                <a:latin typeface="Assistant SemiBold" panose="00000700000000000000" pitchFamily="2" charset="-79"/>
+                <a:cs typeface="Assistant SemiBold" panose="00000700000000000000" pitchFamily="2" charset="-79"/>
               </a:rPr>
               <a:t>“Joy to the World”</a:t>
             </a:r>
@@ -3053,8 +3057,8 @@
         </p:nvSpPr>
         <p:spPr>
           <a:xfrm>
-            <a:off x="0" y="361175"/>
-            <a:ext cx="12192000" cy="4524315"/>
+            <a:off x="0" y="1014318"/>
+            <a:ext cx="12192000" cy="3539430"/>
           </a:xfrm>
           <a:prstGeom prst="rect">
             <a:avLst/>
@@ -3069,10 +3073,12 @@
           <a:p>
             <a:pPr algn="ctr"/>
             <a:r>
-              <a:rPr lang="en-US" sz="3600" dirty="0">
+              <a:rPr lang="en-US" sz="2800" spc="50" dirty="0">
                 <a:solidFill>
                   <a:schemeClr val="bg1"/>
                 </a:solidFill>
+                <a:latin typeface="Assistant" panose="00000500000000000000" pitchFamily="2" charset="-79"/>
+                <a:cs typeface="Assistant" panose="00000500000000000000" pitchFamily="2" charset="-79"/>
               </a:rPr>
               <a:t>Joy to the world!</a:t>
             </a:r>
@@ -3080,10 +3086,12 @@
           <a:p>
             <a:pPr algn="ctr"/>
             <a:r>
-              <a:rPr lang="en-US" sz="3600" dirty="0">
+              <a:rPr lang="en-US" sz="2800" spc="50" dirty="0">
                 <a:solidFill>
                   <a:schemeClr val="bg1"/>
                 </a:solidFill>
+                <a:latin typeface="Assistant" panose="00000500000000000000" pitchFamily="2" charset="-79"/>
+                <a:cs typeface="Assistant" panose="00000500000000000000" pitchFamily="2" charset="-79"/>
               </a:rPr>
               <a:t>The Lord is come;</a:t>
             </a:r>
@@ -3091,10 +3099,12 @@
           <a:p>
             <a:pPr algn="ctr"/>
             <a:r>
-              <a:rPr lang="en-US" sz="3600" dirty="0">
+              <a:rPr lang="en-US" sz="2800" spc="50" dirty="0">
                 <a:solidFill>
                   <a:schemeClr val="bg1"/>
                 </a:solidFill>
+                <a:latin typeface="Assistant" panose="00000500000000000000" pitchFamily="2" charset="-79"/>
+                <a:cs typeface="Assistant" panose="00000500000000000000" pitchFamily="2" charset="-79"/>
               </a:rPr>
               <a:t>Let earth receive her King;</a:t>
             </a:r>
@@ -3102,29 +3112,35 @@
           <a:p>
             <a:pPr algn="ctr"/>
             <a:r>
-              <a:rPr lang="en-US" sz="3600" dirty="0">
+              <a:rPr lang="en-US" sz="2800" spc="50" dirty="0">
                 <a:solidFill>
                   <a:schemeClr val="bg1"/>
                 </a:solidFill>
+                <a:latin typeface="Assistant" panose="00000500000000000000" pitchFamily="2" charset="-79"/>
+                <a:cs typeface="Assistant" panose="00000500000000000000" pitchFamily="2" charset="-79"/>
               </a:rPr>
               <a:t>Let every heart prepare Him room,</a:t>
             </a:r>
           </a:p>
           <a:p>
             <a:pPr algn="ctr"/>
-            <a:endParaRPr lang="en-US" sz="3600" dirty="0">
+            <a:endParaRPr lang="en-US" sz="2800" spc="50" dirty="0">
               <a:solidFill>
                 <a:schemeClr val="bg1"/>
               </a:solidFill>
+              <a:latin typeface="Assistant" panose="00000500000000000000" pitchFamily="2" charset="-79"/>
+              <a:cs typeface="Assistant" panose="00000500000000000000" pitchFamily="2" charset="-79"/>
             </a:endParaRPr>
           </a:p>
           <a:p>
             <a:pPr algn="ctr"/>
             <a:r>
-              <a:rPr lang="en-US" sz="3600" dirty="0">
+              <a:rPr lang="en-US" sz="2800" spc="50" dirty="0">
                 <a:solidFill>
                   <a:schemeClr val="bg1"/>
                 </a:solidFill>
+                <a:latin typeface="Assistant" panose="00000500000000000000" pitchFamily="2" charset="-79"/>
+                <a:cs typeface="Assistant" panose="00000500000000000000" pitchFamily="2" charset="-79"/>
               </a:rPr>
               <a:t>And heaven and nature sing,</a:t>
             </a:r>
@@ -3132,10 +3148,12 @@
           <a:p>
             <a:pPr algn="ctr"/>
             <a:r>
-              <a:rPr lang="en-US" sz="3600" dirty="0">
+              <a:rPr lang="en-US" sz="2800" spc="50" dirty="0">
                 <a:solidFill>
                   <a:schemeClr val="bg1"/>
                 </a:solidFill>
+                <a:latin typeface="Assistant" panose="00000500000000000000" pitchFamily="2" charset="-79"/>
+                <a:cs typeface="Assistant" panose="00000500000000000000" pitchFamily="2" charset="-79"/>
               </a:rPr>
               <a:t>And heaven and nature sing,</a:t>
             </a:r>
@@ -3143,10 +3161,12 @@
           <a:p>
             <a:pPr algn="ctr"/>
             <a:r>
-              <a:rPr lang="en-US" sz="3600" dirty="0">
+              <a:rPr lang="en-US" sz="2800" spc="50" dirty="0">
                 <a:solidFill>
                   <a:schemeClr val="bg1"/>
                 </a:solidFill>
+                <a:latin typeface="Assistant" panose="00000500000000000000" pitchFamily="2" charset="-79"/>
+                <a:cs typeface="Assistant" panose="00000500000000000000" pitchFamily="2" charset="-79"/>
               </a:rPr>
               <a:t>And heaven, and heaven, and nature sing.</a:t>
             </a:r>
@@ -3248,8 +3268,8 @@
         </p:nvSpPr>
         <p:spPr>
           <a:xfrm>
-            <a:off x="0" y="5804209"/>
-            <a:ext cx="12192000" cy="830997"/>
+            <a:off x="0" y="5927320"/>
+            <a:ext cx="12192000" cy="584775"/>
           </a:xfrm>
           <a:prstGeom prst="rect">
             <a:avLst/>
@@ -3264,10 +3284,12 @@
           <a:p>
             <a:pPr algn="ctr"/>
             <a:r>
-              <a:rPr lang="en-US" sz="4800" dirty="0">
+              <a:rPr lang="en-US" sz="3200" u="sng" dirty="0">
                 <a:solidFill>
                   <a:schemeClr val="bg1"/>
                 </a:solidFill>
+                <a:latin typeface="Assistant SemiBold" panose="00000700000000000000" pitchFamily="2" charset="-79"/>
+                <a:cs typeface="Assistant SemiBold" panose="00000700000000000000" pitchFamily="2" charset="-79"/>
               </a:rPr>
               <a:t>“Joy to the World”</a:t>
             </a:r>
@@ -3282,8 +3304,8 @@
         </p:nvSpPr>
         <p:spPr>
           <a:xfrm>
-            <a:off x="0" y="361175"/>
-            <a:ext cx="12192000" cy="4524315"/>
+            <a:off x="0" y="859939"/>
+            <a:ext cx="12192000" cy="3539430"/>
           </a:xfrm>
           <a:prstGeom prst="rect">
             <a:avLst/>
@@ -3298,10 +3320,12 @@
           <a:p>
             <a:pPr algn="ctr"/>
             <a:r>
-              <a:rPr lang="en-US" sz="3600" dirty="0">
+              <a:rPr lang="en-US" sz="2800" spc="50" dirty="0">
                 <a:solidFill>
                   <a:schemeClr val="bg1"/>
                 </a:solidFill>
+                <a:latin typeface="Assistant" panose="00000500000000000000" pitchFamily="2" charset="-79"/>
+                <a:cs typeface="Assistant" panose="00000500000000000000" pitchFamily="2" charset="-79"/>
               </a:rPr>
               <a:t>Joy to the world!</a:t>
             </a:r>
@@ -3309,10 +3333,12 @@
           <a:p>
             <a:pPr algn="ctr"/>
             <a:r>
-              <a:rPr lang="en-US" sz="3600" dirty="0">
+              <a:rPr lang="en-US" sz="2800" spc="50" dirty="0">
                 <a:solidFill>
                   <a:schemeClr val="bg1"/>
                 </a:solidFill>
+                <a:latin typeface="Assistant" panose="00000500000000000000" pitchFamily="2" charset="-79"/>
+                <a:cs typeface="Assistant" panose="00000500000000000000" pitchFamily="2" charset="-79"/>
               </a:rPr>
               <a:t>The Savior reigns;</a:t>
             </a:r>
@@ -3320,10 +3346,12 @@
           <a:p>
             <a:pPr algn="ctr"/>
             <a:r>
-              <a:rPr lang="en-US" sz="3600" dirty="0">
+              <a:rPr lang="en-US" sz="2800" spc="50" dirty="0">
                 <a:solidFill>
                   <a:schemeClr val="bg1"/>
                 </a:solidFill>
+                <a:latin typeface="Assistant" panose="00000500000000000000" pitchFamily="2" charset="-79"/>
+                <a:cs typeface="Assistant" panose="00000500000000000000" pitchFamily="2" charset="-79"/>
               </a:rPr>
               <a:t>Let men their songs employ</a:t>
             </a:r>
@@ -3331,29 +3359,35 @@
           <a:p>
             <a:pPr algn="ctr"/>
             <a:r>
-              <a:rPr lang="en-US" sz="3600" dirty="0">
+              <a:rPr lang="en-US" sz="2800" spc="50" dirty="0">
                 <a:solidFill>
                   <a:schemeClr val="bg1"/>
                 </a:solidFill>
+                <a:latin typeface="Assistant" panose="00000500000000000000" pitchFamily="2" charset="-79"/>
+                <a:cs typeface="Assistant" panose="00000500000000000000" pitchFamily="2" charset="-79"/>
               </a:rPr>
               <a:t>While fields and floods, rocks, hills, and plains,</a:t>
             </a:r>
           </a:p>
           <a:p>
             <a:pPr algn="ctr"/>
-            <a:endParaRPr lang="en-US" sz="3600" dirty="0">
+            <a:endParaRPr lang="en-US" sz="2800" spc="50" dirty="0">
               <a:solidFill>
                 <a:schemeClr val="bg1"/>
               </a:solidFill>
+              <a:latin typeface="Assistant" panose="00000500000000000000" pitchFamily="2" charset="-79"/>
+              <a:cs typeface="Assistant" panose="00000500000000000000" pitchFamily="2" charset="-79"/>
             </a:endParaRPr>
           </a:p>
           <a:p>
             <a:pPr algn="ctr"/>
             <a:r>
-              <a:rPr lang="en-US" sz="3600" dirty="0">
+              <a:rPr lang="en-US" sz="2800" spc="50" dirty="0">
                 <a:solidFill>
                   <a:schemeClr val="bg1"/>
                 </a:solidFill>
+                <a:latin typeface="Assistant" panose="00000500000000000000" pitchFamily="2" charset="-79"/>
+                <a:cs typeface="Assistant" panose="00000500000000000000" pitchFamily="2" charset="-79"/>
               </a:rPr>
               <a:t>Repeat the sounding joy,</a:t>
             </a:r>
@@ -3361,10 +3395,12 @@
           <a:p>
             <a:pPr algn="ctr"/>
             <a:r>
-              <a:rPr lang="en-US" sz="3600" dirty="0">
+              <a:rPr lang="en-US" sz="2800" spc="50" dirty="0">
                 <a:solidFill>
                   <a:schemeClr val="bg1"/>
                 </a:solidFill>
+                <a:latin typeface="Assistant" panose="00000500000000000000" pitchFamily="2" charset="-79"/>
+                <a:cs typeface="Assistant" panose="00000500000000000000" pitchFamily="2" charset="-79"/>
               </a:rPr>
               <a:t>Repeat the sounding joy,</a:t>
             </a:r>
@@ -3372,10 +3408,12 @@
           <a:p>
             <a:pPr algn="ctr"/>
             <a:r>
-              <a:rPr lang="en-US" sz="3600" dirty="0">
+              <a:rPr lang="en-US" sz="2800" spc="50" dirty="0">
                 <a:solidFill>
                   <a:schemeClr val="bg1"/>
                 </a:solidFill>
+                <a:latin typeface="Assistant" panose="00000500000000000000" pitchFamily="2" charset="-79"/>
+                <a:cs typeface="Assistant" panose="00000500000000000000" pitchFamily="2" charset="-79"/>
               </a:rPr>
               <a:t>Repeat, repeat the sounding joy.</a:t>
             </a:r>
@@ -3477,8 +3515,8 @@
         </p:nvSpPr>
         <p:spPr>
           <a:xfrm>
-            <a:off x="0" y="5804209"/>
-            <a:ext cx="12192000" cy="830997"/>
+            <a:off x="0" y="5927320"/>
+            <a:ext cx="12192000" cy="584775"/>
           </a:xfrm>
           <a:prstGeom prst="rect">
             <a:avLst/>
@@ -3493,10 +3531,12 @@
           <a:p>
             <a:pPr algn="ctr"/>
             <a:r>
-              <a:rPr lang="en-US" sz="4800" dirty="0">
+              <a:rPr lang="en-US" sz="3200" u="sng" dirty="0">
                 <a:solidFill>
                   <a:schemeClr val="bg1"/>
                 </a:solidFill>
+                <a:latin typeface="Assistant SemiBold" panose="00000700000000000000" pitchFamily="2" charset="-79"/>
+                <a:cs typeface="Assistant SemiBold" panose="00000700000000000000" pitchFamily="2" charset="-79"/>
               </a:rPr>
               <a:t>“Joy to the World”</a:t>
             </a:r>
@@ -3511,8 +3551,8 @@
         </p:nvSpPr>
         <p:spPr>
           <a:xfrm>
-            <a:off x="0" y="361175"/>
-            <a:ext cx="12192000" cy="4524315"/>
+            <a:off x="0" y="943066"/>
+            <a:ext cx="12192000" cy="3539430"/>
           </a:xfrm>
           <a:prstGeom prst="rect">
             <a:avLst/>
@@ -3527,10 +3567,12 @@
           <a:p>
             <a:pPr algn="ctr"/>
             <a:r>
-              <a:rPr lang="en-US" sz="3600" dirty="0">
+              <a:rPr lang="en-US" sz="2800" spc="50" dirty="0">
                 <a:solidFill>
                   <a:schemeClr val="bg1"/>
                 </a:solidFill>
+                <a:latin typeface="Assistant" panose="00000500000000000000" pitchFamily="2" charset="-79"/>
+                <a:cs typeface="Assistant" panose="00000500000000000000" pitchFamily="2" charset="-79"/>
               </a:rPr>
               <a:t>No more let sin</a:t>
             </a:r>
@@ -3538,10 +3580,12 @@
           <a:p>
             <a:pPr algn="ctr"/>
             <a:r>
-              <a:rPr lang="en-US" sz="3600" dirty="0">
+              <a:rPr lang="en-US" sz="2800" spc="50" dirty="0">
                 <a:solidFill>
                   <a:schemeClr val="bg1"/>
                 </a:solidFill>
+                <a:latin typeface="Assistant" panose="00000500000000000000" pitchFamily="2" charset="-79"/>
+                <a:cs typeface="Assistant" panose="00000500000000000000" pitchFamily="2" charset="-79"/>
               </a:rPr>
               <a:t>and sorrow grow,</a:t>
             </a:r>
@@ -3549,10 +3593,12 @@
           <a:p>
             <a:pPr algn="ctr"/>
             <a:r>
-              <a:rPr lang="en-US" sz="3600" dirty="0">
+              <a:rPr lang="en-US" sz="2800" spc="50" dirty="0">
                 <a:solidFill>
                   <a:schemeClr val="bg1"/>
                 </a:solidFill>
+                <a:latin typeface="Assistant" panose="00000500000000000000" pitchFamily="2" charset="-79"/>
+                <a:cs typeface="Assistant" panose="00000500000000000000" pitchFamily="2" charset="-79"/>
               </a:rPr>
               <a:t>Nor thorns infest the ground;</a:t>
             </a:r>
@@ -3560,29 +3606,35 @@
           <a:p>
             <a:pPr algn="ctr"/>
             <a:r>
-              <a:rPr lang="en-US" sz="3600" dirty="0">
+              <a:rPr lang="en-US" sz="2800" spc="50" dirty="0">
                 <a:solidFill>
                   <a:schemeClr val="bg1"/>
                 </a:solidFill>
+                <a:latin typeface="Assistant" panose="00000500000000000000" pitchFamily="2" charset="-79"/>
+                <a:cs typeface="Assistant" panose="00000500000000000000" pitchFamily="2" charset="-79"/>
               </a:rPr>
               <a:t>He comes to make His blessings flow</a:t>
             </a:r>
           </a:p>
           <a:p>
             <a:pPr algn="ctr"/>
-            <a:endParaRPr lang="en-US" sz="3600" dirty="0">
+            <a:endParaRPr lang="en-US" sz="2800" spc="50" dirty="0">
               <a:solidFill>
                 <a:schemeClr val="bg1"/>
               </a:solidFill>
+              <a:latin typeface="Assistant" panose="00000500000000000000" pitchFamily="2" charset="-79"/>
+              <a:cs typeface="Assistant" panose="00000500000000000000" pitchFamily="2" charset="-79"/>
             </a:endParaRPr>
           </a:p>
           <a:p>
             <a:pPr algn="ctr"/>
             <a:r>
-              <a:rPr lang="en-US" sz="3600" dirty="0">
+              <a:rPr lang="en-US" sz="2800" spc="50" dirty="0">
                 <a:solidFill>
                   <a:schemeClr val="bg1"/>
                 </a:solidFill>
+                <a:latin typeface="Assistant" panose="00000500000000000000" pitchFamily="2" charset="-79"/>
+                <a:cs typeface="Assistant" panose="00000500000000000000" pitchFamily="2" charset="-79"/>
               </a:rPr>
               <a:t>Far as the curse is found,</a:t>
             </a:r>
@@ -3590,10 +3642,12 @@
           <a:p>
             <a:pPr algn="ctr"/>
             <a:r>
-              <a:rPr lang="en-US" sz="3600" dirty="0">
+              <a:rPr lang="en-US" sz="2800" spc="50" dirty="0">
                 <a:solidFill>
                   <a:schemeClr val="bg1"/>
                 </a:solidFill>
+                <a:latin typeface="Assistant" panose="00000500000000000000" pitchFamily="2" charset="-79"/>
+                <a:cs typeface="Assistant" panose="00000500000000000000" pitchFamily="2" charset="-79"/>
               </a:rPr>
               <a:t>Far as the curse is found, </a:t>
             </a:r>
@@ -3601,10 +3655,12 @@
           <a:p>
             <a:pPr algn="ctr"/>
             <a:r>
-              <a:rPr lang="en-US" sz="3600" dirty="0">
+              <a:rPr lang="en-US" sz="2800" spc="50" dirty="0">
                 <a:solidFill>
                   <a:schemeClr val="bg1"/>
                 </a:solidFill>
+                <a:latin typeface="Assistant" panose="00000500000000000000" pitchFamily="2" charset="-79"/>
+                <a:cs typeface="Assistant" panose="00000500000000000000" pitchFamily="2" charset="-79"/>
               </a:rPr>
               <a:t>Far as, far as the curse is found.</a:t>
             </a:r>
@@ -3706,8 +3762,8 @@
         </p:nvSpPr>
         <p:spPr>
           <a:xfrm>
-            <a:off x="0" y="5804209"/>
-            <a:ext cx="12192000" cy="830997"/>
+            <a:off x="0" y="5927320"/>
+            <a:ext cx="12192000" cy="584775"/>
           </a:xfrm>
           <a:prstGeom prst="rect">
             <a:avLst/>
@@ -3722,10 +3778,12 @@
           <a:p>
             <a:pPr algn="ctr"/>
             <a:r>
-              <a:rPr lang="en-US" sz="4800" dirty="0">
+              <a:rPr lang="en-US" sz="3200" u="sng" dirty="0">
                 <a:solidFill>
                   <a:schemeClr val="bg1"/>
                 </a:solidFill>
+                <a:latin typeface="Assistant SemiBold" panose="00000700000000000000" pitchFamily="2" charset="-79"/>
+                <a:cs typeface="Assistant SemiBold" panose="00000700000000000000" pitchFamily="2" charset="-79"/>
               </a:rPr>
               <a:t>“Joy to the World”</a:t>
             </a:r>
@@ -3740,8 +3798,8 @@
         </p:nvSpPr>
         <p:spPr>
           <a:xfrm>
-            <a:off x="0" y="361175"/>
-            <a:ext cx="12192000" cy="4524315"/>
+            <a:off x="0" y="954942"/>
+            <a:ext cx="12192000" cy="3539430"/>
           </a:xfrm>
           <a:prstGeom prst="rect">
             <a:avLst/>
@@ -3756,10 +3814,12 @@
           <a:p>
             <a:pPr algn="ctr"/>
             <a:r>
-              <a:rPr lang="en-US" sz="3600" dirty="0">
+              <a:rPr lang="en-US" sz="2800" spc="50" dirty="0">
                 <a:solidFill>
                   <a:schemeClr val="bg1"/>
                 </a:solidFill>
+                <a:latin typeface="Assistant" panose="00000500000000000000" pitchFamily="2" charset="-79"/>
+                <a:cs typeface="Assistant" panose="00000500000000000000" pitchFamily="2" charset="-79"/>
               </a:rPr>
               <a:t>He rules the world</a:t>
             </a:r>
@@ -3767,10 +3827,12 @@
           <a:p>
             <a:pPr algn="ctr"/>
             <a:r>
-              <a:rPr lang="en-US" sz="3600" dirty="0">
+              <a:rPr lang="en-US" sz="2800" spc="50" dirty="0">
                 <a:solidFill>
                   <a:schemeClr val="bg1"/>
                 </a:solidFill>
+                <a:latin typeface="Assistant" panose="00000500000000000000" pitchFamily="2" charset="-79"/>
+                <a:cs typeface="Assistant" panose="00000500000000000000" pitchFamily="2" charset="-79"/>
               </a:rPr>
               <a:t>with truth and grace,</a:t>
             </a:r>
@@ -3778,10 +3840,12 @@
           <a:p>
             <a:pPr algn="ctr"/>
             <a:r>
-              <a:rPr lang="en-US" sz="3600" dirty="0">
+              <a:rPr lang="en-US" sz="2800" spc="50" dirty="0">
                 <a:solidFill>
                   <a:schemeClr val="bg1"/>
                 </a:solidFill>
+                <a:latin typeface="Assistant" panose="00000500000000000000" pitchFamily="2" charset="-79"/>
+                <a:cs typeface="Assistant" panose="00000500000000000000" pitchFamily="2" charset="-79"/>
               </a:rPr>
               <a:t>And makes the nations prove</a:t>
             </a:r>
@@ -3789,29 +3853,35 @@
           <a:p>
             <a:pPr algn="ctr"/>
             <a:r>
-              <a:rPr lang="en-US" sz="3600" dirty="0">
+              <a:rPr lang="en-US" sz="2800" spc="50" dirty="0">
                 <a:solidFill>
                   <a:schemeClr val="bg1"/>
                 </a:solidFill>
+                <a:latin typeface="Assistant" panose="00000500000000000000" pitchFamily="2" charset="-79"/>
+                <a:cs typeface="Assistant" panose="00000500000000000000" pitchFamily="2" charset="-79"/>
               </a:rPr>
               <a:t>The glories of His righteousness</a:t>
             </a:r>
           </a:p>
           <a:p>
             <a:pPr algn="ctr"/>
-            <a:endParaRPr lang="en-US" sz="3600" dirty="0">
+            <a:endParaRPr lang="en-US" sz="2800" spc="50" dirty="0">
               <a:solidFill>
                 <a:schemeClr val="bg1"/>
               </a:solidFill>
+              <a:latin typeface="Assistant" panose="00000500000000000000" pitchFamily="2" charset="-79"/>
+              <a:cs typeface="Assistant" panose="00000500000000000000" pitchFamily="2" charset="-79"/>
             </a:endParaRPr>
           </a:p>
           <a:p>
             <a:pPr algn="ctr"/>
             <a:r>
-              <a:rPr lang="en-US" sz="3600" dirty="0">
+              <a:rPr lang="en-US" sz="2800" spc="50" dirty="0">
                 <a:solidFill>
                   <a:schemeClr val="bg1"/>
                 </a:solidFill>
+                <a:latin typeface="Assistant" panose="00000500000000000000" pitchFamily="2" charset="-79"/>
+                <a:cs typeface="Assistant" panose="00000500000000000000" pitchFamily="2" charset="-79"/>
               </a:rPr>
               <a:t>And wonders of His love,</a:t>
             </a:r>
@@ -3819,10 +3889,12 @@
           <a:p>
             <a:pPr algn="ctr"/>
             <a:r>
-              <a:rPr lang="en-US" sz="3600" dirty="0">
+              <a:rPr lang="en-US" sz="2800" spc="50" dirty="0">
                 <a:solidFill>
                   <a:schemeClr val="bg1"/>
                 </a:solidFill>
+                <a:latin typeface="Assistant" panose="00000500000000000000" pitchFamily="2" charset="-79"/>
+                <a:cs typeface="Assistant" panose="00000500000000000000" pitchFamily="2" charset="-79"/>
               </a:rPr>
               <a:t>And wonders of His love,</a:t>
             </a:r>
@@ -3830,26 +3902,15 @@
           <a:p>
             <a:pPr algn="ctr"/>
             <a:r>
-              <a:rPr lang="en-US" sz="3600" dirty="0">
+              <a:rPr lang="en-US" sz="2800" spc="50" dirty="0">
                 <a:solidFill>
                   <a:schemeClr val="bg1"/>
                 </a:solidFill>
+                <a:latin typeface="Assistant" panose="00000500000000000000" pitchFamily="2" charset="-79"/>
+                <a:cs typeface="Assistant" panose="00000500000000000000" pitchFamily="2" charset="-79"/>
               </a:rPr>
-              <a:t>And wonders, </a:t>
-            </a:r>
-            <a:r>
-              <a:rPr lang="en-US" sz="3600">
-                <a:solidFill>
-                  <a:schemeClr val="bg1"/>
-                </a:solidFill>
-              </a:rPr>
-              <a:t>and wonders of His love.</a:t>
-            </a:r>
-            <a:endParaRPr lang="en-US" sz="3600" dirty="0">
-              <a:solidFill>
-                <a:schemeClr val="bg1"/>
-              </a:solidFill>
-            </a:endParaRPr>
+              <a:t>And wonders, and wonders of His love.</a:t>
+            </a:r>
           </a:p>
         </p:txBody>
       </p:sp>
